--- a/viserdac-demo/img/bg_sem_2.jpg.pptx
+++ b/viserdac-demo/img/bg_sem_2.jpg.pptx
@@ -3495,7 +3495,7 @@
                   <a:schemeClr val="tx2"/>
                 </a:solidFill>
               </a:rPr>
-              <a:t>20 April 2024 | 9:00 – 12:00, CME Boardroom</a:t>
+              <a:t>20 April 2024 | 2:00 – 12:00, CME Boardroom</a:t>
             </a:r>
             <a:endParaRPr lang="en-US" sz="2000" dirty="0">
               <a:solidFill>
@@ -10633,7 +10633,7 @@
                   <a:schemeClr val="tx2"/>
                 </a:solidFill>
               </a:rPr>
-              <a:t>05 June 2024 | CME Boardroom, VSU</a:t>
+              <a:t>05 June 2024 | 13:00 CME conference room, VSU</a:t>
             </a:r>
             <a:endParaRPr lang="en-US" sz="2000" dirty="0">
               <a:solidFill>
@@ -16657,12 +16657,11 @@
 </file>
 
 <file path=customXml/item1.xml><?xml version="1.0" encoding="utf-8"?>
-<?mso-contentType ?>
-<FormTemplates xmlns="http://schemas.microsoft.com/sharepoint/v3/contenttype/forms">
-  <Display>DocumentLibraryForm</Display>
-  <Edit>DocumentLibraryForm</Edit>
-  <New>DocumentLibraryForm</New>
-</FormTemplates>
+<p:properties xmlns:p="http://schemas.microsoft.com/office/2006/metadata/properties" xmlns:xsi="http://www.w3.org/2001/XMLSchema-instance" xmlns:pc="http://schemas.microsoft.com/office/infopath/2007/PartnerControls">
+  <documentManagement>
+    <_activity xmlns="1713ab05-4609-466e-ac4c-dad74cae40c5" xsi:nil="true"/>
+  </documentManagement>
+</p:properties>
 </file>
 
 <file path=customXml/item2.xml><?xml version="1.0" encoding="utf-8"?>
@@ -16919,17 +16918,27 @@
 </file>
 
 <file path=customXml/item3.xml><?xml version="1.0" encoding="utf-8"?>
-<p:properties xmlns:p="http://schemas.microsoft.com/office/2006/metadata/properties" xmlns:xsi="http://www.w3.org/2001/XMLSchema-instance" xmlns:pc="http://schemas.microsoft.com/office/infopath/2007/PartnerControls">
-  <documentManagement>
-    <_activity xmlns="1713ab05-4609-466e-ac4c-dad74cae40c5" xsi:nil="true"/>
-  </documentManagement>
-</p:properties>
+<?mso-contentType ?>
+<FormTemplates xmlns="http://schemas.microsoft.com/sharepoint/v3/contenttype/forms">
+  <Display>DocumentLibraryForm</Display>
+  <Edit>DocumentLibraryForm</Edit>
+  <New>DocumentLibraryForm</New>
+</FormTemplates>
 </file>
 
 <file path=customXml/itemProps1.xml><?xml version="1.0" encoding="utf-8"?>
-<ds:datastoreItem xmlns:ds="http://schemas.openxmlformats.org/officeDocument/2006/customXml" ds:itemID="{DCEFCCE0-4218-4916-A597-696E4A450396}">
+<ds:datastoreItem xmlns:ds="http://schemas.openxmlformats.org/officeDocument/2006/customXml" ds:itemID="{A86BCD4D-E616-489B-BF8A-5268D7C530A7}">
   <ds:schemaRefs>
-    <ds:schemaRef ds:uri="http://schemas.microsoft.com/sharepoint/v3/contenttype/forms"/>
+    <ds:schemaRef ds:uri="http://schemas.microsoft.com/office/2006/documentManagement/types"/>
+    <ds:schemaRef ds:uri="http://purl.org/dc/elements/1.1/"/>
+    <ds:schemaRef ds:uri="http://purl.org/dc/dcmitype/"/>
+    <ds:schemaRef ds:uri="http://schemas.microsoft.com/office/2006/metadata/properties"/>
+    <ds:schemaRef ds:uri="http://purl.org/dc/terms/"/>
+    <ds:schemaRef ds:uri="http://schemas.microsoft.com/office/infopath/2007/PartnerControls"/>
+    <ds:schemaRef ds:uri="http://schemas.openxmlformats.org/package/2006/metadata/core-properties"/>
+    <ds:schemaRef ds:uri="bf2254fd-24b5-4950-ac92-103e8321750f"/>
+    <ds:schemaRef ds:uri="1713ab05-4609-466e-ac4c-dad74cae40c5"/>
+    <ds:schemaRef ds:uri="http://www.w3.org/XML/1998/namespace"/>
   </ds:schemaRefs>
 </ds:datastoreItem>
 </file>
@@ -16954,18 +16963,9 @@
 </file>
 
 <file path=customXml/itemProps3.xml><?xml version="1.0" encoding="utf-8"?>
-<ds:datastoreItem xmlns:ds="http://schemas.openxmlformats.org/officeDocument/2006/customXml" ds:itemID="{A86BCD4D-E616-489B-BF8A-5268D7C530A7}">
+<ds:datastoreItem xmlns:ds="http://schemas.openxmlformats.org/officeDocument/2006/customXml" ds:itemID="{DCEFCCE0-4218-4916-A597-696E4A450396}">
   <ds:schemaRefs>
-    <ds:schemaRef ds:uri="http://schemas.microsoft.com/office/2006/documentManagement/types"/>
-    <ds:schemaRef ds:uri="http://purl.org/dc/elements/1.1/"/>
-    <ds:schemaRef ds:uri="http://purl.org/dc/dcmitype/"/>
-    <ds:schemaRef ds:uri="http://schemas.microsoft.com/office/2006/metadata/properties"/>
-    <ds:schemaRef ds:uri="http://purl.org/dc/terms/"/>
-    <ds:schemaRef ds:uri="http://schemas.microsoft.com/office/infopath/2007/PartnerControls"/>
-    <ds:schemaRef ds:uri="http://schemas.openxmlformats.org/package/2006/metadata/core-properties"/>
-    <ds:schemaRef ds:uri="bf2254fd-24b5-4950-ac92-103e8321750f"/>
-    <ds:schemaRef ds:uri="1713ab05-4609-466e-ac4c-dad74cae40c5"/>
-    <ds:schemaRef ds:uri="http://www.w3.org/XML/1998/namespace"/>
+    <ds:schemaRef ds:uri="http://schemas.microsoft.com/sharepoint/v3/contenttype/forms"/>
   </ds:schemaRefs>
 </ds:datastoreItem>
 </file>